--- a/Frogger-PitchSlide.pptx
+++ b/Frogger-PitchSlide.pptx
@@ -6,6 +6,7 @@
   </p:sldMasterIdLst>
   <p:sldIdLst>
     <p:sldId id="256" r:id="rId2"/>
+    <p:sldId id="257" r:id="rId3"/>
   </p:sldIdLst>
   <p:sldSz cx="12192000" cy="6858000"/>
   <p:notesSz cx="6858000" cy="9144000"/>
@@ -908,6 +909,11 @@
         <a:solidFill>
           <a:srgbClr val="06A60A"/>
         </a:solidFill>
+        <a:ln>
+          <a:solidFill>
+            <a:schemeClr val="accent6"/>
+          </a:solidFill>
+        </a:ln>
       </dgm:spPr>
       <dgm:t>
         <a:bodyPr/>
@@ -973,7 +979,7 @@
         <a:p>
           <a:r>
             <a:rPr lang="de-DE" dirty="0"/>
-            <a:t>Jump</a:t>
+            <a:t>Sprung</a:t>
           </a:r>
         </a:p>
       </dgm:t>
@@ -1024,6 +1030,11 @@
         <a:solidFill>
           <a:srgbClr val="06A60A"/>
         </a:solidFill>
+        <a:ln>
+          <a:solidFill>
+            <a:schemeClr val="accent6"/>
+          </a:solidFill>
+        </a:ln>
       </dgm:spPr>
       <dgm:t>
         <a:bodyPr/>
@@ -1089,7 +1100,7 @@
         <a:p>
           <a:r>
             <a:rPr lang="de-DE" dirty="0"/>
-            <a:t>Game</a:t>
+            <a:t>Spiel</a:t>
           </a:r>
         </a:p>
       </dgm:t>
@@ -1140,6 +1151,11 @@
         <a:solidFill>
           <a:srgbClr val="06A60A"/>
         </a:solidFill>
+        <a:ln>
+          <a:solidFill>
+            <a:schemeClr val="accent6"/>
+          </a:solidFill>
+        </a:ln>
       </dgm:spPr>
       <dgm:t>
         <a:bodyPr/>
@@ -1240,12 +1256,8 @@
         <a:lstStyle/>
         <a:p>
           <a:r>
-            <a:rPr lang="de-DE" dirty="0" err="1"/>
-            <a:t>Water</a:t>
-          </a:r>
-          <a:r>
             <a:rPr lang="de-DE" dirty="0"/>
-            <a:t> </a:t>
+            <a:t>Wasser </a:t>
           </a:r>
         </a:p>
       </dgm:t>
@@ -1317,7 +1329,7 @@
         <a:p>
           <a:r>
             <a:rPr lang="de-DE" dirty="0"/>
-            <a:t>Menu</a:t>
+            <a:t>Menü</a:t>
           </a:r>
         </a:p>
       </dgm:t>
@@ -1353,7 +1365,7 @@
         <a:p>
           <a:r>
             <a:rPr lang="de-DE" dirty="0"/>
-            <a:t>Dead Menu</a:t>
+            <a:t>Tod Menü</a:t>
           </a:r>
         </a:p>
       </dgm:t>
@@ -1370,6 +1382,83 @@
       </dgm:t>
     </dgm:pt>
     <dgm:pt modelId="{E678DA0D-F7A3-4E12-A337-D2A160843D82}" type="sibTrans" cxnId="{05C2479F-9E24-4443-B58E-67DC9380943E}">
+      <dgm:prSet/>
+      <dgm:spPr/>
+      <dgm:t>
+        <a:bodyPr/>
+        <a:lstStyle/>
+        <a:p>
+          <a:endParaRPr lang="de-DE"/>
+        </a:p>
+      </dgm:t>
+    </dgm:pt>
+    <dgm:pt modelId="{BDFC63D8-7383-4FF4-A174-84CD2BD3C3E9}">
+      <dgm:prSet phldrT="[Text]"/>
+      <dgm:spPr/>
+      <dgm:t>
+        <a:bodyPr/>
+        <a:lstStyle/>
+        <a:p>
+          <a:r>
+            <a:rPr lang="de-DE" dirty="0"/>
+            <a:t>Dead/ </a:t>
+          </a:r>
+          <a:r>
+            <a:rPr lang="de-DE" dirty="0" err="1"/>
+            <a:t>Win</a:t>
+          </a:r>
+          <a:endParaRPr lang="de-DE" dirty="0"/>
+        </a:p>
+      </dgm:t>
+    </dgm:pt>
+    <dgm:pt modelId="{C5FBAEB2-13C0-4DF2-83D3-77A7F2516668}" type="parTrans" cxnId="{8D4D82EE-09A3-431A-B295-0640892A640C}">
+      <dgm:prSet/>
+      <dgm:spPr/>
+      <dgm:t>
+        <a:bodyPr/>
+        <a:lstStyle/>
+        <a:p>
+          <a:endParaRPr lang="de-DE"/>
+        </a:p>
+      </dgm:t>
+    </dgm:pt>
+    <dgm:pt modelId="{63E6232F-1B92-4609-AC36-453236D92175}" type="sibTrans" cxnId="{8D4D82EE-09A3-431A-B295-0640892A640C}">
+      <dgm:prSet/>
+      <dgm:spPr/>
+      <dgm:t>
+        <a:bodyPr/>
+        <a:lstStyle/>
+        <a:p>
+          <a:endParaRPr lang="de-DE"/>
+        </a:p>
+      </dgm:t>
+    </dgm:pt>
+    <dgm:pt modelId="{D16A496B-98B5-46DD-A255-2E3A41F185C0}">
+      <dgm:prSet phldrT="[Text]"/>
+      <dgm:spPr/>
+      <dgm:t>
+        <a:bodyPr/>
+        <a:lstStyle/>
+        <a:p>
+          <a:r>
+            <a:rPr lang="de-DE" dirty="0"/>
+            <a:t>Bessere Punkteverteilung</a:t>
+          </a:r>
+        </a:p>
+      </dgm:t>
+    </dgm:pt>
+    <dgm:pt modelId="{A95B44CE-6FF9-4BE1-96F9-12B553CB3BC9}" type="parTrans" cxnId="{43638C00-CD8D-40F7-9C03-9B9A05EB3912}">
+      <dgm:prSet/>
+      <dgm:spPr/>
+      <dgm:t>
+        <a:bodyPr/>
+        <a:lstStyle/>
+        <a:p>
+          <a:endParaRPr lang="de-DE"/>
+        </a:p>
+      </dgm:t>
+    </dgm:pt>
+    <dgm:pt modelId="{3864936B-F615-46C5-A502-ACD7DAB9D429}" type="sibTrans" cxnId="{43638C00-CD8D-40F7-9C03-9B9A05EB3912}">
       <dgm:prSet/>
       <dgm:spPr/>
       <dgm:t>
@@ -1508,6 +1597,7 @@
     </dgm:pt>
   </dgm:ptLst>
   <dgm:cxnLst>
+    <dgm:cxn modelId="{43638C00-CD8D-40F7-9C03-9B9A05EB3912}" srcId="{3176D0C2-4236-471E-878E-514627F357C7}" destId="{D16A496B-98B5-46DD-A255-2E3A41F185C0}" srcOrd="2" destOrd="0" parTransId="{A95B44CE-6FF9-4BE1-96F9-12B553CB3BC9}" sibTransId="{3864936B-F615-46C5-A502-ACD7DAB9D429}"/>
     <dgm:cxn modelId="{21BDDE01-7679-45CB-82F3-DB2D576616D9}" type="presOf" srcId="{3176D0C2-4236-471E-878E-514627F357C7}" destId="{C4942519-4D05-40A0-8C9A-FA6B54079BD7}" srcOrd="0" destOrd="0" presId="urn:microsoft.com/office/officeart/2005/8/layout/radial2"/>
     <dgm:cxn modelId="{9440D404-C1B8-4B06-AFC4-CD34099C3118}" type="presOf" srcId="{11FD42E1-21BB-44AA-AD78-FBA6DA7D5CA7}" destId="{B940195E-847F-4F53-9BCB-29826C62A17F}" srcOrd="0" destOrd="3" presId="urn:microsoft.com/office/officeart/2005/8/layout/radial2"/>
     <dgm:cxn modelId="{C9BEAE1D-D14E-476C-AE06-85CD33A7DA74}" srcId="{B078ABEE-2CF8-4609-804A-A859810E7CE4}" destId="{2E43C903-8BC0-4602-A54F-E0D4E494B361}" srcOrd="1" destOrd="0" parTransId="{AA6552A4-A790-468B-B8A2-E9A01D8ACED6}" sibTransId="{C0CCB832-116E-43A8-9AAA-5235E20BAF8E}"/>
@@ -1517,6 +1607,7 @@
     <dgm:cxn modelId="{79D1165E-360C-4251-A789-B4925CC11674}" srcId="{9CFFAD50-DED3-4AA8-B691-BC77A767395C}" destId="{3176D0C2-4236-471E-878E-514627F357C7}" srcOrd="2" destOrd="0" parTransId="{D7D34A13-90F4-4547-8D4E-12B2E6612625}" sibTransId="{755D5A04-3F94-4BA8-A621-A073FA380787}"/>
     <dgm:cxn modelId="{725BA346-4F38-4057-8EF7-4C656C9BF7A8}" srcId="{C311BE3A-93E9-4564-AB41-8E3BA1006F9B}" destId="{53B79012-4918-4652-BA60-48B3DDC043CF}" srcOrd="2" destOrd="0" parTransId="{B9B0CCDA-05DB-4CD8-94F3-6F8878C55522}" sibTransId="{F0EACCC1-9897-4399-9AD4-3C782524A12A}"/>
     <dgm:cxn modelId="{11CF7148-FF95-4CC3-B90E-FB946DAA7D02}" type="presOf" srcId="{E76F3819-9F2B-4826-9354-35B03A84D514}" destId="{94268FFA-5358-405F-8D40-72AF10D54672}" srcOrd="0" destOrd="1" presId="urn:microsoft.com/office/officeart/2005/8/layout/radial2"/>
+    <dgm:cxn modelId="{3A71566A-9A26-4CED-AA39-898CB24575D2}" type="presOf" srcId="{D16A496B-98B5-46DD-A255-2E3A41F185C0}" destId="{94268FFA-5358-405F-8D40-72AF10D54672}" srcOrd="0" destOrd="2" presId="urn:microsoft.com/office/officeart/2005/8/layout/radial2"/>
     <dgm:cxn modelId="{1884046F-D9E5-4867-AABB-F5FB0A6AF67E}" type="presOf" srcId="{53B79012-4918-4652-BA60-48B3DDC043CF}" destId="{8EBB3179-1C09-475F-B961-EFF15182095D}" srcOrd="0" destOrd="2" presId="urn:microsoft.com/office/officeart/2005/8/layout/radial2"/>
     <dgm:cxn modelId="{44B0F86F-32AE-4AD9-8CE0-67154829DFAF}" srcId="{B078ABEE-2CF8-4609-804A-A859810E7CE4}" destId="{D5F4B583-49F6-4678-8219-5CBAC97C3CD4}" srcOrd="2" destOrd="0" parTransId="{4AFFDC6F-DB7A-4A0F-AF92-132EC7E12CFE}" sibTransId="{660E8F6F-3C2B-4003-B302-DF158DD62FFA}"/>
     <dgm:cxn modelId="{F155C980-5F76-4049-A026-16B446A4288A}" srcId="{C311BE3A-93E9-4564-AB41-8E3BA1006F9B}" destId="{5B76B16D-B7FE-438F-BE11-744D1C991FCC}" srcOrd="1" destOrd="0" parTransId="{30B431E3-6B3C-4007-B023-A5CED9E98F39}" sibTransId="{7D0E17F5-66B1-4B62-ABD8-ECEE0FE86919}"/>
@@ -1533,11 +1624,13 @@
     <dgm:cxn modelId="{44F0B2AC-EDF4-4AEA-874B-B8BA709BE971}" type="presOf" srcId="{5B76B16D-B7FE-438F-BE11-744D1C991FCC}" destId="{8EBB3179-1C09-475F-B961-EFF15182095D}" srcOrd="0" destOrd="1" presId="urn:microsoft.com/office/officeart/2005/8/layout/radial2"/>
     <dgm:cxn modelId="{04BEB6B9-2404-4F93-9B08-E04D69ECDAE7}" type="presOf" srcId="{B078ABEE-2CF8-4609-804A-A859810E7CE4}" destId="{E9FD3861-7125-4B22-B84A-E36A9037E137}" srcOrd="0" destOrd="0" presId="urn:microsoft.com/office/officeart/2005/8/layout/radial2"/>
     <dgm:cxn modelId="{2AC710BC-E7D0-4206-8895-4FD7FC6894C6}" srcId="{3176D0C2-4236-471E-878E-514627F357C7}" destId="{0C8748E7-218F-460A-A93D-155CE6060192}" srcOrd="0" destOrd="0" parTransId="{EA3EA8AA-270A-4686-A528-E7D666CADA71}" sibTransId="{C88B908D-E1A9-4133-97AC-D7E86BA0D0E9}"/>
+    <dgm:cxn modelId="{7935FDCF-479E-4AA3-981C-54CAA13A8C9D}" type="presOf" srcId="{BDFC63D8-7383-4FF4-A174-84CD2BD3C3E9}" destId="{8EBB3179-1C09-475F-B961-EFF15182095D}" srcOrd="0" destOrd="4" presId="urn:microsoft.com/office/officeart/2005/8/layout/radial2"/>
     <dgm:cxn modelId="{17D21CD3-CC22-4862-A0C8-E84D5209DA7E}" type="presOf" srcId="{366F4669-2BD3-44F7-A03E-3852C89419B7}" destId="{B940195E-847F-4F53-9BCB-29826C62A17F}" srcOrd="0" destOrd="0" presId="urn:microsoft.com/office/officeart/2005/8/layout/radial2"/>
     <dgm:cxn modelId="{F9E48ED3-BA1D-48C7-99BE-3DD52897AF0A}" type="presOf" srcId="{CCC81B44-D400-4E47-BA6A-DAC9BB3B55E6}" destId="{9D1559B3-9B72-4737-9B40-48FC3B61A5A5}" srcOrd="0" destOrd="0" presId="urn:microsoft.com/office/officeart/2005/8/layout/radial2"/>
     <dgm:cxn modelId="{CAB1E8D7-1288-4468-840E-2B3E84004C42}" type="presOf" srcId="{C311BE3A-93E9-4564-AB41-8E3BA1006F9B}" destId="{66130D29-2657-4D6A-8E87-5927B236CA8C}" srcOrd="0" destOrd="0" presId="urn:microsoft.com/office/officeart/2005/8/layout/radial2"/>
     <dgm:cxn modelId="{56CE09DA-EA7B-415D-864F-4967FAAE859B}" srcId="{C311BE3A-93E9-4564-AB41-8E3BA1006F9B}" destId="{A3F0797F-BC8C-48D1-BCA3-93C3A8D9AB5D}" srcOrd="0" destOrd="0" parTransId="{15DF3A48-85C2-4310-9E2E-2D70FDF27C1E}" sibTransId="{2AA3425E-BBD6-4F9B-BBBB-6110DB9E7473}"/>
     <dgm:cxn modelId="{BD618EE0-EDB1-4DD5-A71D-F4BF0B9AD14B}" type="presOf" srcId="{D5F4B583-49F6-4678-8219-5CBAC97C3CD4}" destId="{B940195E-847F-4F53-9BCB-29826C62A17F}" srcOrd="0" destOrd="2" presId="urn:microsoft.com/office/officeart/2005/8/layout/radial2"/>
+    <dgm:cxn modelId="{8D4D82EE-09A3-431A-B295-0640892A640C}" srcId="{C311BE3A-93E9-4564-AB41-8E3BA1006F9B}" destId="{BDFC63D8-7383-4FF4-A174-84CD2BD3C3E9}" srcOrd="4" destOrd="0" parTransId="{C5FBAEB2-13C0-4DF2-83D3-77A7F2516668}" sibTransId="{63E6232F-1B92-4609-AC36-453236D92175}"/>
     <dgm:cxn modelId="{2831892A-21D7-4645-8361-39C4299FBBB5}" type="presParOf" srcId="{29AED4BF-CB79-4E32-B8FC-6B6E620E68D8}" destId="{DFFE9F02-65B4-49E6-856B-B1A715C80516}" srcOrd="0" destOrd="0" presId="urn:microsoft.com/office/officeart/2005/8/layout/radial2"/>
     <dgm:cxn modelId="{DD522974-F2C9-46D0-A45C-843D25B43346}" type="presParOf" srcId="{DFFE9F02-65B4-49E6-856B-B1A715C80516}" destId="{F3D135E0-D1C9-4821-827B-AD9ED7138638}" srcOrd="0" destOrd="0" presId="urn:microsoft.com/office/officeart/2005/8/layout/radial2"/>
     <dgm:cxn modelId="{866CBDBB-1309-404E-BB8B-A27A0343DBAF}" type="presParOf" srcId="{F3D135E0-D1C9-4821-827B-AD9ED7138638}" destId="{9B931DB3-8AB3-40C8-9AB7-63A4EC32E4CD}" srcOrd="0" destOrd="0" presId="urn:microsoft.com/office/officeart/2005/8/layout/radial2"/>
@@ -1605,13 +1698,7 @@
         <a:noFill/>
         <a:ln w="12700" cap="flat" cmpd="sng" algn="ctr">
           <a:solidFill>
-            <a:schemeClr val="accent1">
-              <a:shade val="60000"/>
-              <a:hueOff val="0"/>
-              <a:satOff val="0"/>
-              <a:lumOff val="0"/>
-              <a:alphaOff val="0"/>
-            </a:schemeClr>
+            <a:schemeClr val="accent6"/>
           </a:solidFill>
           <a:prstDash val="solid"/>
           <a:miter lim="800000"/>
@@ -1661,13 +1748,7 @@
         <a:noFill/>
         <a:ln w="12700" cap="flat" cmpd="sng" algn="ctr">
           <a:solidFill>
-            <a:schemeClr val="accent1">
-              <a:shade val="60000"/>
-              <a:hueOff val="0"/>
-              <a:satOff val="0"/>
-              <a:lumOff val="0"/>
-              <a:alphaOff val="0"/>
-            </a:schemeClr>
+            <a:schemeClr val="accent6"/>
           </a:solidFill>
           <a:prstDash val="solid"/>
           <a:miter lim="800000"/>
@@ -1717,13 +1798,7 @@
         <a:noFill/>
         <a:ln w="12700" cap="flat" cmpd="sng" algn="ctr">
           <a:solidFill>
-            <a:schemeClr val="accent1">
-              <a:shade val="60000"/>
-              <a:hueOff val="0"/>
-              <a:satOff val="0"/>
-              <a:lumOff val="0"/>
-              <a:alphaOff val="0"/>
-            </a:schemeClr>
+            <a:schemeClr val="accent6"/>
           </a:solidFill>
           <a:prstDash val="solid"/>
           <a:miter lim="800000"/>
@@ -1898,7 +1973,7 @@
         </a:bodyPr>
         <a:lstStyle/>
         <a:p>
-          <a:pPr marL="228600" lvl="1" indent="-228600" algn="l" defTabSz="889000">
+          <a:pPr marL="171450" lvl="1" indent="-171450" algn="l" defTabSz="711200">
             <a:lnSpc>
               <a:spcPct val="90000"/>
             </a:lnSpc>
@@ -1911,12 +1986,12 @@
             <a:buChar char="•"/>
           </a:pPr>
           <a:r>
-            <a:rPr lang="de-DE" sz="2000" kern="1200" dirty="0"/>
+            <a:rPr lang="de-DE" sz="1600" kern="1200" dirty="0"/>
             <a:t>Musik</a:t>
           </a:r>
         </a:p>
         <a:p>
-          <a:pPr marL="228600" lvl="1" indent="-228600" algn="l" defTabSz="889000">
+          <a:pPr marL="171450" lvl="1" indent="-171450" algn="l" defTabSz="711200">
             <a:lnSpc>
               <a:spcPct val="90000"/>
             </a:lnSpc>
@@ -1929,12 +2004,12 @@
             <a:buChar char="•"/>
           </a:pPr>
           <a:r>
-            <a:rPr lang="de-DE" sz="2000" kern="1200" dirty="0"/>
-            <a:t>Jump</a:t>
+            <a:rPr lang="de-DE" sz="1600" kern="1200" dirty="0"/>
+            <a:t>Sprung</a:t>
           </a:r>
         </a:p>
         <a:p>
-          <a:pPr marL="228600" lvl="1" indent="-228600" algn="l" defTabSz="889000">
+          <a:pPr marL="171450" lvl="1" indent="-171450" algn="l" defTabSz="711200">
             <a:lnSpc>
               <a:spcPct val="90000"/>
             </a:lnSpc>
@@ -1947,16 +2022,12 @@
             <a:buChar char="•"/>
           </a:pPr>
           <a:r>
-            <a:rPr lang="de-DE" sz="2000" kern="1200" dirty="0" err="1"/>
-            <a:t>Water</a:t>
-          </a:r>
-          <a:r>
-            <a:rPr lang="de-DE" sz="2000" kern="1200" dirty="0"/>
-            <a:t> </a:t>
+            <a:rPr lang="de-DE" sz="1600" kern="1200" dirty="0"/>
+            <a:t>Wasser </a:t>
           </a:r>
         </a:p>
         <a:p>
-          <a:pPr marL="228600" lvl="1" indent="-228600" algn="l" defTabSz="889000">
+          <a:pPr marL="171450" lvl="1" indent="-171450" algn="l" defTabSz="711200">
             <a:lnSpc>
               <a:spcPct val="90000"/>
             </a:lnSpc>
@@ -1969,9 +2040,32 @@
             <a:buChar char="•"/>
           </a:pPr>
           <a:r>
-            <a:rPr lang="de-DE" sz="2000" kern="1200" dirty="0"/>
+            <a:rPr lang="de-DE" sz="1600" kern="1200" dirty="0"/>
             <a:t>Crash</a:t>
           </a:r>
+        </a:p>
+        <a:p>
+          <a:pPr marL="171450" lvl="1" indent="-171450" algn="l" defTabSz="711200">
+            <a:lnSpc>
+              <a:spcPct val="90000"/>
+            </a:lnSpc>
+            <a:spcBef>
+              <a:spcPct val="0"/>
+            </a:spcBef>
+            <a:spcAft>
+              <a:spcPct val="15000"/>
+            </a:spcAft>
+            <a:buChar char="•"/>
+          </a:pPr>
+          <a:r>
+            <a:rPr lang="de-DE" sz="1600" kern="1200" dirty="0"/>
+            <a:t>Dead/ </a:t>
+          </a:r>
+          <a:r>
+            <a:rPr lang="de-DE" sz="1600" kern="1200" dirty="0" err="1"/>
+            <a:t>Win</a:t>
+          </a:r>
+          <a:endParaRPr lang="de-DE" sz="1600" kern="1200" dirty="0"/>
         </a:p>
       </dsp:txBody>
       <dsp:txXfrm>
@@ -2089,7 +2183,7 @@
         </a:bodyPr>
         <a:lstStyle/>
         <a:p>
-          <a:pPr marL="228600" lvl="1" indent="-228600" algn="l" defTabSz="889000">
+          <a:pPr marL="171450" lvl="1" indent="-171450" algn="l" defTabSz="711200">
             <a:lnSpc>
               <a:spcPct val="90000"/>
             </a:lnSpc>
@@ -2102,12 +2196,12 @@
             <a:buChar char="•"/>
           </a:pPr>
           <a:r>
-            <a:rPr lang="de-DE" sz="2000" kern="1200" dirty="0"/>
+            <a:rPr lang="de-DE" sz="1600" kern="1200" dirty="0"/>
             <a:t>Highscores</a:t>
           </a:r>
         </a:p>
         <a:p>
-          <a:pPr marL="228600" lvl="1" indent="-228600" algn="l" defTabSz="889000">
+          <a:pPr marL="171450" lvl="1" indent="-171450" algn="l" defTabSz="711200">
             <a:lnSpc>
               <a:spcPct val="90000"/>
             </a:lnSpc>
@@ -2120,12 +2214,12 @@
             <a:buChar char="•"/>
           </a:pPr>
           <a:r>
-            <a:rPr lang="de-DE" sz="2000" kern="1200" dirty="0"/>
-            <a:t>Game</a:t>
+            <a:rPr lang="de-DE" sz="1600" kern="1200" dirty="0"/>
+            <a:t>Spiel</a:t>
           </a:r>
         </a:p>
         <a:p>
-          <a:pPr marL="228600" lvl="1" indent="-228600" algn="l" defTabSz="889000">
+          <a:pPr marL="171450" lvl="1" indent="-171450" algn="l" defTabSz="711200">
             <a:lnSpc>
               <a:spcPct val="90000"/>
             </a:lnSpc>
@@ -2138,12 +2232,12 @@
             <a:buChar char="•"/>
           </a:pPr>
           <a:r>
-            <a:rPr lang="de-DE" sz="2000" kern="1200" dirty="0"/>
-            <a:t>Menu</a:t>
+            <a:rPr lang="de-DE" sz="1600" kern="1200" dirty="0"/>
+            <a:t>Menü</a:t>
           </a:r>
         </a:p>
         <a:p>
-          <a:pPr marL="228600" lvl="1" indent="-228600" algn="l" defTabSz="889000">
+          <a:pPr marL="171450" lvl="1" indent="-171450" algn="l" defTabSz="711200">
             <a:lnSpc>
               <a:spcPct val="90000"/>
             </a:lnSpc>
@@ -2156,8 +2250,8 @@
             <a:buChar char="•"/>
           </a:pPr>
           <a:r>
-            <a:rPr lang="de-DE" sz="2000" kern="1200" dirty="0"/>
-            <a:t>Dead Menu</a:t>
+            <a:rPr lang="de-DE" sz="1600" kern="1200" dirty="0"/>
+            <a:t>Tod Menü</a:t>
           </a:r>
         </a:p>
       </dsp:txBody>
@@ -2276,7 +2370,7 @@
         </a:bodyPr>
         <a:lstStyle/>
         <a:p>
-          <a:pPr marL="228600" lvl="1" indent="-228600" algn="l" defTabSz="889000">
+          <a:pPr marL="171450" lvl="1" indent="-171450" algn="l" defTabSz="711200">
             <a:lnSpc>
               <a:spcPct val="90000"/>
             </a:lnSpc>
@@ -2289,12 +2383,12 @@
             <a:buChar char="•"/>
           </a:pPr>
           <a:r>
-            <a:rPr lang="de-DE" sz="2000" kern="1200" dirty="0"/>
+            <a:rPr lang="de-DE" sz="1600" kern="1200" dirty="0"/>
             <a:t>Sterne</a:t>
           </a:r>
         </a:p>
         <a:p>
-          <a:pPr marL="228600" lvl="1" indent="-228600" algn="l" defTabSz="889000">
+          <a:pPr marL="171450" lvl="1" indent="-171450" algn="l" defTabSz="711200">
             <a:lnSpc>
               <a:spcPct val="90000"/>
             </a:lnSpc>
@@ -2307,8 +2401,26 @@
             <a:buChar char="•"/>
           </a:pPr>
           <a:r>
-            <a:rPr lang="de-DE" sz="2000" kern="1200" dirty="0"/>
+            <a:rPr lang="de-DE" sz="1600" kern="1200" dirty="0"/>
             <a:t>Schwierigkeiten</a:t>
+          </a:r>
+        </a:p>
+        <a:p>
+          <a:pPr marL="171450" lvl="1" indent="-171450" algn="l" defTabSz="711200">
+            <a:lnSpc>
+              <a:spcPct val="90000"/>
+            </a:lnSpc>
+            <a:spcBef>
+              <a:spcPct val="0"/>
+            </a:spcBef>
+            <a:spcAft>
+              <a:spcPct val="15000"/>
+            </a:spcAft>
+            <a:buChar char="•"/>
+          </a:pPr>
+          <a:r>
+            <a:rPr lang="de-DE" sz="1600" kern="1200" dirty="0"/>
+            <a:t>Bessere Punkteverteilung</a:t>
           </a:r>
         </a:p>
       </dsp:txBody>
@@ -3847,7 +3959,7 @@
           <a:p>
             <a:fld id="{87131CF8-ABFF-48D4-A410-B73E4061291B}" type="datetimeFigureOut">
               <a:rPr lang="de-DE" smtClean="0"/>
-              <a:t>05.09.2018</a:t>
+              <a:t>10.09.2018</a:t>
             </a:fld>
             <a:endParaRPr lang="de-DE"/>
           </a:p>
@@ -4045,7 +4157,7 @@
           <a:p>
             <a:fld id="{87131CF8-ABFF-48D4-A410-B73E4061291B}" type="datetimeFigureOut">
               <a:rPr lang="de-DE" smtClean="0"/>
-              <a:t>05.09.2018</a:t>
+              <a:t>10.09.2018</a:t>
             </a:fld>
             <a:endParaRPr lang="de-DE"/>
           </a:p>
@@ -4253,7 +4365,7 @@
           <a:p>
             <a:fld id="{87131CF8-ABFF-48D4-A410-B73E4061291B}" type="datetimeFigureOut">
               <a:rPr lang="de-DE" smtClean="0"/>
-              <a:t>05.09.2018</a:t>
+              <a:t>10.09.2018</a:t>
             </a:fld>
             <a:endParaRPr lang="de-DE"/>
           </a:p>
@@ -4451,7 +4563,7 @@
           <a:p>
             <a:fld id="{87131CF8-ABFF-48D4-A410-B73E4061291B}" type="datetimeFigureOut">
               <a:rPr lang="de-DE" smtClean="0"/>
-              <a:t>05.09.2018</a:t>
+              <a:t>10.09.2018</a:t>
             </a:fld>
             <a:endParaRPr lang="de-DE"/>
           </a:p>
@@ -4726,7 +4838,7 @@
           <a:p>
             <a:fld id="{87131CF8-ABFF-48D4-A410-B73E4061291B}" type="datetimeFigureOut">
               <a:rPr lang="de-DE" smtClean="0"/>
-              <a:t>05.09.2018</a:t>
+              <a:t>10.09.2018</a:t>
             </a:fld>
             <a:endParaRPr lang="de-DE"/>
           </a:p>
@@ -4991,7 +5103,7 @@
           <a:p>
             <a:fld id="{87131CF8-ABFF-48D4-A410-B73E4061291B}" type="datetimeFigureOut">
               <a:rPr lang="de-DE" smtClean="0"/>
-              <a:t>05.09.2018</a:t>
+              <a:t>10.09.2018</a:t>
             </a:fld>
             <a:endParaRPr lang="de-DE"/>
           </a:p>
@@ -5403,7 +5515,7 @@
           <a:p>
             <a:fld id="{87131CF8-ABFF-48D4-A410-B73E4061291B}" type="datetimeFigureOut">
               <a:rPr lang="de-DE" smtClean="0"/>
-              <a:t>05.09.2018</a:t>
+              <a:t>10.09.2018</a:t>
             </a:fld>
             <a:endParaRPr lang="de-DE"/>
           </a:p>
@@ -5544,7 +5656,7 @@
           <a:p>
             <a:fld id="{87131CF8-ABFF-48D4-A410-B73E4061291B}" type="datetimeFigureOut">
               <a:rPr lang="de-DE" smtClean="0"/>
-              <a:t>05.09.2018</a:t>
+              <a:t>10.09.2018</a:t>
             </a:fld>
             <a:endParaRPr lang="de-DE"/>
           </a:p>
@@ -5657,7 +5769,7 @@
           <a:p>
             <a:fld id="{87131CF8-ABFF-48D4-A410-B73E4061291B}" type="datetimeFigureOut">
               <a:rPr lang="de-DE" smtClean="0"/>
-              <a:t>05.09.2018</a:t>
+              <a:t>10.09.2018</a:t>
             </a:fld>
             <a:endParaRPr lang="de-DE"/>
           </a:p>
@@ -5968,7 +6080,7 @@
           <a:p>
             <a:fld id="{87131CF8-ABFF-48D4-A410-B73E4061291B}" type="datetimeFigureOut">
               <a:rPr lang="de-DE" smtClean="0"/>
-              <a:t>05.09.2018</a:t>
+              <a:t>10.09.2018</a:t>
             </a:fld>
             <a:endParaRPr lang="de-DE"/>
           </a:p>
@@ -6256,7 +6368,7 @@
           <a:p>
             <a:fld id="{87131CF8-ABFF-48D4-A410-B73E4061291B}" type="datetimeFigureOut">
               <a:rPr lang="de-DE" smtClean="0"/>
-              <a:t>05.09.2018</a:t>
+              <a:t>10.09.2018</a:t>
             </a:fld>
             <a:endParaRPr lang="de-DE"/>
           </a:p>
@@ -6497,7 +6609,7 @@
           <a:p>
             <a:fld id="{87131CF8-ABFF-48D4-A410-B73E4061291B}" type="datetimeFigureOut">
               <a:rPr lang="de-DE" smtClean="0"/>
-              <a:t>05.09.2018</a:t>
+              <a:t>10.09.2018</a:t>
             </a:fld>
             <a:endParaRPr lang="de-DE"/>
           </a:p>
@@ -7121,7 +7233,7 @@
           <p:nvPr>
             <p:extLst>
               <p:ext uri="{D42A27DB-BD31-4B8C-83A1-F6EECF244321}">
-                <p14:modId xmlns:p14="http://schemas.microsoft.com/office/powerpoint/2010/main" val="4129226213"/>
+                <p14:modId xmlns:p14="http://schemas.microsoft.com/office/powerpoint/2010/main" val="2646938424"/>
               </p:ext>
             </p:extLst>
           </p:nvPr>
@@ -7180,7 +7292,7 @@
             <a:pPr algn="ctr"/>
             <a:r>
               <a:rPr lang="de-DE" dirty="0"/>
-              <a:t>Ziel</a:t>
+              <a:t>Das Spiel</a:t>
             </a:r>
           </a:p>
         </p:txBody>
@@ -7260,10 +7372,10 @@
       </p:sp>
       <p:sp>
         <p:nvSpPr>
-          <p:cNvPr id="38" name="Textfeld 37">
+          <p:cNvPr id="41" name="Textfeld 40">
             <a:extLst>
               <a:ext uri="{FF2B5EF4-FFF2-40B4-BE49-F238E27FC236}">
-                <a16:creationId xmlns:a16="http://schemas.microsoft.com/office/drawing/2014/main" id="{7E26A9CF-1ECC-4532-B4B4-5C23B3B57D2E}"/>
+                <a16:creationId xmlns:a16="http://schemas.microsoft.com/office/drawing/2014/main" id="{3D2CA1F8-074A-42D3-9733-32E4719463B4}"/>
               </a:ext>
             </a:extLst>
           </p:cNvPr>
@@ -7272,8 +7384,8 @@
         </p:nvSpPr>
         <p:spPr>
           <a:xfrm>
-            <a:off x="330252" y="1513381"/>
-            <a:ext cx="4093172" cy="5632311"/>
+            <a:off x="3030356" y="3457018"/>
+            <a:ext cx="1489510" cy="1200329"/>
           </a:xfrm>
           <a:prstGeom prst="rect">
             <a:avLst/>
@@ -7287,141 +7399,1120 @@
           <a:lstStyle/>
           <a:p>
             <a:r>
+              <a:rPr lang="de-DE" sz="3200" dirty="0" err="1">
+                <a:solidFill>
+                  <a:schemeClr val="bg1"/>
+                </a:solidFill>
+                <a:latin typeface="Impact" panose="020B0806030902050204" pitchFamily="34" charset="0"/>
+              </a:rPr>
+              <a:t>Frogger</a:t>
+            </a:r>
+            <a:endParaRPr lang="de-DE" sz="3200" dirty="0">
+              <a:solidFill>
+                <a:schemeClr val="bg1"/>
+              </a:solidFill>
+              <a:latin typeface="Impact" panose="020B0806030902050204" pitchFamily="34" charset="0"/>
+            </a:endParaRPr>
+          </a:p>
+          <a:p>
+            <a:pPr algn="ctr"/>
+            <a:r>
+              <a:rPr lang="de-DE" sz="1000" dirty="0" err="1">
+                <a:solidFill>
+                  <a:schemeClr val="bg1"/>
+                </a:solidFill>
+                <a:latin typeface="Arial" panose="020B0604020202020204" pitchFamily="34" charset="0"/>
+                <a:cs typeface="Arial" panose="020B0604020202020204" pitchFamily="34" charset="0"/>
+              </a:rPr>
+              <a:t>by</a:t>
+            </a:r>
+            <a:endParaRPr lang="de-DE" sz="1000" dirty="0">
+              <a:solidFill>
+                <a:schemeClr val="bg1"/>
+              </a:solidFill>
+              <a:latin typeface="Arial" panose="020B0604020202020204" pitchFamily="34" charset="0"/>
+              <a:cs typeface="Arial" panose="020B0604020202020204" pitchFamily="34" charset="0"/>
+            </a:endParaRPr>
+          </a:p>
+          <a:p>
+            <a:pPr algn="ctr"/>
+            <a:r>
+              <a:rPr lang="de-DE" sz="1000" dirty="0">
+                <a:solidFill>
+                  <a:schemeClr val="bg1"/>
+                </a:solidFill>
+                <a:latin typeface="Arial" panose="020B0604020202020204" pitchFamily="34" charset="0"/>
+                <a:cs typeface="Arial" panose="020B0604020202020204" pitchFamily="34" charset="0"/>
+              </a:rPr>
+              <a:t>Georg </a:t>
+            </a:r>
+            <a:r>
+              <a:rPr lang="de-DE" sz="1000" dirty="0" err="1">
+                <a:solidFill>
+                  <a:schemeClr val="bg1"/>
+                </a:solidFill>
+                <a:latin typeface="Arial" panose="020B0604020202020204" pitchFamily="34" charset="0"/>
+                <a:cs typeface="Arial" panose="020B0604020202020204" pitchFamily="34" charset="0"/>
+              </a:rPr>
+              <a:t>Westbomke</a:t>
+            </a:r>
+            <a:endParaRPr lang="de-DE" sz="1000" dirty="0">
+              <a:solidFill>
+                <a:schemeClr val="bg1"/>
+              </a:solidFill>
+              <a:latin typeface="Arial" panose="020B0604020202020204" pitchFamily="34" charset="0"/>
+              <a:cs typeface="Arial" panose="020B0604020202020204" pitchFamily="34" charset="0"/>
+            </a:endParaRPr>
+          </a:p>
+          <a:p>
+            <a:pPr algn="ctr"/>
+            <a:r>
+              <a:rPr lang="de-DE" sz="1000" dirty="0">
+                <a:solidFill>
+                  <a:schemeClr val="bg1"/>
+                </a:solidFill>
+                <a:latin typeface="Arial" panose="020B0604020202020204" pitchFamily="34" charset="0"/>
+                <a:cs typeface="Arial" panose="020B0604020202020204" pitchFamily="34" charset="0"/>
+              </a:rPr>
+              <a:t>Dirk Solenborn</a:t>
+            </a:r>
+          </a:p>
+          <a:p>
+            <a:pPr algn="ctr"/>
+            <a:r>
+              <a:rPr lang="de-DE" sz="1000" dirty="0">
+                <a:solidFill>
+                  <a:schemeClr val="bg1"/>
+                </a:solidFill>
+                <a:latin typeface="Arial" panose="020B0604020202020204" pitchFamily="34" charset="0"/>
+                <a:cs typeface="Arial" panose="020B0604020202020204" pitchFamily="34" charset="0"/>
+              </a:rPr>
+              <a:t>Yannik Kasper</a:t>
+            </a:r>
+          </a:p>
+        </p:txBody>
+      </p:sp>
+      <p:pic>
+        <p:nvPicPr>
+          <p:cNvPr id="3" name="Grafik 2" descr="Ein Bild, das Monitor, Wand enthält.&#10;&#10;Mit sehr hoher Zuverlässigkeit generierte Beschreibung">
+            <a:extLst>
+              <a:ext uri="{FF2B5EF4-FFF2-40B4-BE49-F238E27FC236}">
+                <a16:creationId xmlns:a16="http://schemas.microsoft.com/office/drawing/2014/main" id="{8314BCC7-6CAC-479D-AB3F-A91813CD5ED4}"/>
+              </a:ext>
+            </a:extLst>
+          </p:cNvPr>
+          <p:cNvPicPr>
+            <a:picLocks noChangeAspect="1"/>
+          </p:cNvPicPr>
+          <p:nvPr/>
+        </p:nvPicPr>
+        <p:blipFill>
+          <a:blip r:embed="rId9">
+            <a:extLst>
+              <a:ext uri="{28A0092B-C50C-407E-A947-70E740481C1C}">
+                <a14:useLocalDpi xmlns:a14="http://schemas.microsoft.com/office/drawing/2010/main" val="0"/>
+              </a:ext>
+            </a:extLst>
+          </a:blip>
+          <a:stretch>
+            <a:fillRect/>
+          </a:stretch>
+        </p:blipFill>
+        <p:spPr>
+          <a:xfrm>
+            <a:off x="8368208" y="711609"/>
+            <a:ext cx="1760794" cy="2323742"/>
+          </a:xfrm>
+          <a:prstGeom prst="rect">
+            <a:avLst/>
+          </a:prstGeom>
+        </p:spPr>
+      </p:pic>
+      <p:pic>
+        <p:nvPicPr>
+          <p:cNvPr id="13" name="Grafik 12" descr="Ein Bild, das Vektorgrafiken enthält.&#10;&#10;Mit hoher Zuverlässigkeit generierte Beschreibung">
+            <a:extLst>
+              <a:ext uri="{FF2B5EF4-FFF2-40B4-BE49-F238E27FC236}">
+                <a16:creationId xmlns:a16="http://schemas.microsoft.com/office/drawing/2014/main" id="{C1EE12BC-1995-43B8-BDE7-EACEAC30DABD}"/>
+              </a:ext>
+            </a:extLst>
+          </p:cNvPr>
+          <p:cNvPicPr>
+            <a:picLocks noChangeAspect="1"/>
+          </p:cNvPicPr>
+          <p:nvPr/>
+        </p:nvPicPr>
+        <p:blipFill>
+          <a:blip r:embed="rId10">
+            <a:extLst>
+              <a:ext uri="{28A0092B-C50C-407E-A947-70E740481C1C}">
+                <a14:useLocalDpi xmlns:a14="http://schemas.microsoft.com/office/drawing/2010/main" val="0"/>
+              </a:ext>
+            </a:extLst>
+          </a:blip>
+          <a:stretch>
+            <a:fillRect/>
+          </a:stretch>
+        </p:blipFill>
+        <p:spPr>
+          <a:xfrm flipH="1">
+            <a:off x="1919305" y="1972957"/>
+            <a:ext cx="475656" cy="474728"/>
+          </a:xfrm>
+          <a:prstGeom prst="rect">
+            <a:avLst/>
+          </a:prstGeom>
+        </p:spPr>
+      </p:pic>
+      <p:pic>
+        <p:nvPicPr>
+          <p:cNvPr id="15" name="Grafik 14">
+            <a:extLst>
+              <a:ext uri="{FF2B5EF4-FFF2-40B4-BE49-F238E27FC236}">
+                <a16:creationId xmlns:a16="http://schemas.microsoft.com/office/drawing/2014/main" id="{948DEF86-2278-4C48-88C8-91D70463FED3}"/>
+              </a:ext>
+            </a:extLst>
+          </p:cNvPr>
+          <p:cNvPicPr>
+            <a:picLocks noChangeAspect="1"/>
+          </p:cNvPicPr>
+          <p:nvPr/>
+        </p:nvPicPr>
+        <p:blipFill>
+          <a:blip r:embed="rId11">
+            <a:extLst>
+              <a:ext uri="{28A0092B-C50C-407E-A947-70E740481C1C}">
+                <a14:useLocalDpi xmlns:a14="http://schemas.microsoft.com/office/drawing/2010/main" val="0"/>
+              </a:ext>
+            </a:extLst>
+          </a:blip>
+          <a:stretch>
+            <a:fillRect/>
+          </a:stretch>
+        </p:blipFill>
+        <p:spPr>
+          <a:xfrm>
+            <a:off x="1179642" y="1991098"/>
+            <a:ext cx="475656" cy="475656"/>
+          </a:xfrm>
+          <a:prstGeom prst="rect">
+            <a:avLst/>
+          </a:prstGeom>
+        </p:spPr>
+      </p:pic>
+      <p:pic>
+        <p:nvPicPr>
+          <p:cNvPr id="17" name="Grafik 16" descr="Ein Bild, das Ballon, Flugzeug, Vektorgrafiken enthält.&#10;&#10;Mit sehr hoher Zuverlässigkeit generierte Beschreibung">
+            <a:extLst>
+              <a:ext uri="{FF2B5EF4-FFF2-40B4-BE49-F238E27FC236}">
+                <a16:creationId xmlns:a16="http://schemas.microsoft.com/office/drawing/2014/main" id="{42872932-54D0-4B96-A425-0DCF31B8452D}"/>
+              </a:ext>
+            </a:extLst>
+          </p:cNvPr>
+          <p:cNvPicPr>
+            <a:picLocks noChangeAspect="1"/>
+          </p:cNvPicPr>
+          <p:nvPr/>
+        </p:nvPicPr>
+        <p:blipFill>
+          <a:blip r:embed="rId12">
+            <a:extLst>
+              <a:ext uri="{28A0092B-C50C-407E-A947-70E740481C1C}">
+                <a14:useLocalDpi xmlns:a14="http://schemas.microsoft.com/office/drawing/2010/main" val="0"/>
+              </a:ext>
+            </a:extLst>
+          </a:blip>
+          <a:stretch>
+            <a:fillRect/>
+          </a:stretch>
+        </p:blipFill>
+        <p:spPr>
+          <a:xfrm>
+            <a:off x="449213" y="1989154"/>
+            <a:ext cx="475656" cy="475656"/>
+          </a:xfrm>
+          <a:prstGeom prst="rect">
+            <a:avLst/>
+          </a:prstGeom>
+        </p:spPr>
+      </p:pic>
+      <p:pic>
+        <p:nvPicPr>
+          <p:cNvPr id="19" name="Grafik 18">
+            <a:extLst>
+              <a:ext uri="{FF2B5EF4-FFF2-40B4-BE49-F238E27FC236}">
+                <a16:creationId xmlns:a16="http://schemas.microsoft.com/office/drawing/2014/main" id="{01164744-CEC6-4DDC-943E-FC2658F10C1E}"/>
+              </a:ext>
+            </a:extLst>
+          </p:cNvPr>
+          <p:cNvPicPr>
+            <a:picLocks noChangeAspect="1"/>
+          </p:cNvPicPr>
+          <p:nvPr/>
+        </p:nvPicPr>
+        <p:blipFill>
+          <a:blip r:embed="rId13">
+            <a:extLst>
+              <a:ext uri="{28A0092B-C50C-407E-A947-70E740481C1C}">
+                <a14:useLocalDpi xmlns:a14="http://schemas.microsoft.com/office/drawing/2010/main" val="0"/>
+              </a:ext>
+            </a:extLst>
+          </a:blip>
+          <a:stretch>
+            <a:fillRect/>
+          </a:stretch>
+        </p:blipFill>
+        <p:spPr>
+          <a:xfrm>
+            <a:off x="342970" y="5431320"/>
+            <a:ext cx="587530" cy="587530"/>
+          </a:xfrm>
+          <a:prstGeom prst="rect">
+            <a:avLst/>
+          </a:prstGeom>
+        </p:spPr>
+      </p:pic>
+      <p:pic>
+        <p:nvPicPr>
+          <p:cNvPr id="21" name="Grafik 20" descr="Ein Bild, das Erste Hilfe-Kasten, Objekt enthält.&#10;&#10;Mit sehr hoher Zuverlässigkeit generierte Beschreibung">
+            <a:extLst>
+              <a:ext uri="{FF2B5EF4-FFF2-40B4-BE49-F238E27FC236}">
+                <a16:creationId xmlns:a16="http://schemas.microsoft.com/office/drawing/2014/main" id="{44F3AA73-76B9-4862-A258-A88743D916DD}"/>
+              </a:ext>
+            </a:extLst>
+          </p:cNvPr>
+          <p:cNvPicPr>
+            <a:picLocks noChangeAspect="1"/>
+          </p:cNvPicPr>
+          <p:nvPr/>
+        </p:nvPicPr>
+        <p:blipFill>
+          <a:blip r:embed="rId14">
+            <a:extLst>
+              <a:ext uri="{28A0092B-C50C-407E-A947-70E740481C1C}">
+                <a14:useLocalDpi xmlns:a14="http://schemas.microsoft.com/office/drawing/2010/main" val="0"/>
+              </a:ext>
+            </a:extLst>
+          </a:blip>
+          <a:stretch>
+            <a:fillRect/>
+          </a:stretch>
+        </p:blipFill>
+        <p:spPr>
+          <a:xfrm>
+            <a:off x="1513739" y="5334871"/>
+            <a:ext cx="1135576" cy="757554"/>
+          </a:xfrm>
+          <a:prstGeom prst="rect">
+            <a:avLst/>
+          </a:prstGeom>
+        </p:spPr>
+      </p:pic>
+      <p:pic>
+        <p:nvPicPr>
+          <p:cNvPr id="23" name="Grafik 22">
+            <a:extLst>
+              <a:ext uri="{FF2B5EF4-FFF2-40B4-BE49-F238E27FC236}">
+                <a16:creationId xmlns:a16="http://schemas.microsoft.com/office/drawing/2014/main" id="{813BC462-E3E6-41E6-AD99-659A217FAF8D}"/>
+              </a:ext>
+            </a:extLst>
+          </p:cNvPr>
+          <p:cNvPicPr>
+            <a:picLocks noChangeAspect="1"/>
+          </p:cNvPicPr>
+          <p:nvPr/>
+        </p:nvPicPr>
+        <p:blipFill>
+          <a:blip r:embed="rId15">
+            <a:extLst>
+              <a:ext uri="{28A0092B-C50C-407E-A947-70E740481C1C}">
+                <a14:useLocalDpi xmlns:a14="http://schemas.microsoft.com/office/drawing/2010/main" val="0"/>
+              </a:ext>
+            </a:extLst>
+          </a:blip>
+          <a:stretch>
+            <a:fillRect/>
+          </a:stretch>
+        </p:blipFill>
+        <p:spPr>
+          <a:xfrm>
+            <a:off x="1132964" y="5412877"/>
+            <a:ext cx="445140" cy="624415"/>
+          </a:xfrm>
+          <a:prstGeom prst="rect">
+            <a:avLst/>
+          </a:prstGeom>
+        </p:spPr>
+      </p:pic>
+      <p:sp>
+        <p:nvSpPr>
+          <p:cNvPr id="2" name="Textfeld 1">
+            <a:extLst>
+              <a:ext uri="{FF2B5EF4-FFF2-40B4-BE49-F238E27FC236}">
+                <a16:creationId xmlns:a16="http://schemas.microsoft.com/office/drawing/2014/main" id="{8180F7E6-1E24-4364-B9AD-D37B82563E62}"/>
+              </a:ext>
+            </a:extLst>
+          </p:cNvPr>
+          <p:cNvSpPr txBox="1"/>
+          <p:nvPr/>
+        </p:nvSpPr>
+        <p:spPr>
+          <a:xfrm>
+            <a:off x="342970" y="1556825"/>
+            <a:ext cx="3341236" cy="369332"/>
+          </a:xfrm>
+          <a:prstGeom prst="rect">
+            <a:avLst/>
+          </a:prstGeom>
+          <a:noFill/>
+        </p:spPr>
+        <p:txBody>
+          <a:bodyPr wrap="none" rtlCol="0">
+            <a:spAutoFit/>
+          </a:bodyPr>
+          <a:lstStyle/>
+          <a:p>
+            <a:r>
               <a:rPr lang="de-DE" dirty="0"/>
-              <a:t>Unser Ziel war es das </a:t>
-            </a:r>
-            <a:r>
-              <a:rPr lang="de-DE" dirty="0" err="1"/>
-              <a:t>Orginalspiel</a:t>
-            </a:r>
-            <a:r>
-              <a:rPr lang="de-DE" dirty="0"/>
-              <a:t> </a:t>
-            </a:r>
-            <a:r>
-              <a:rPr lang="de-DE" dirty="0" err="1"/>
-              <a:t>Frogger</a:t>
-            </a:r>
-            <a:br>
-              <a:rPr lang="de-DE" dirty="0"/>
-            </a:br>
-            <a:r>
-              <a:rPr lang="de-DE" dirty="0"/>
-              <a:t>möglichst genau nachzubilden und</a:t>
-            </a:r>
-          </a:p>
-          <a:p>
-            <a:r>
-              <a:rPr lang="de-DE" dirty="0"/>
-              <a:t>mit von uns ausgedachten</a:t>
-            </a:r>
-          </a:p>
-          <a:p>
-            <a:r>
-              <a:rPr lang="de-DE" dirty="0"/>
-              <a:t>Features zu versehen.</a:t>
-            </a:r>
-          </a:p>
-          <a:p>
-            <a:endParaRPr lang="de-DE" dirty="0"/>
-          </a:p>
-          <a:p>
-            <a:r>
-              <a:rPr lang="de-DE" dirty="0"/>
-              <a:t>Ziel des Spiel ist es</a:t>
-            </a:r>
-          </a:p>
-          <a:p>
-            <a:r>
-              <a:rPr lang="de-DE" dirty="0"/>
-              <a:t>mit dem Frosch</a:t>
-            </a:r>
-          </a:p>
-          <a:p>
-            <a:r>
-              <a:rPr lang="de-DE" dirty="0"/>
-              <a:t>alle Seerosen</a:t>
-            </a:r>
-          </a:p>
-          <a:p>
-            <a:r>
-              <a:rPr lang="de-DE" dirty="0"/>
-              <a:t>am Ende des </a:t>
-            </a:r>
-          </a:p>
-          <a:p>
-            <a:r>
-              <a:rPr lang="de-DE" dirty="0"/>
-              <a:t>Bildschirms zu </a:t>
-            </a:r>
-          </a:p>
-          <a:p>
-            <a:r>
-              <a:rPr lang="de-DE" dirty="0"/>
-              <a:t>erreichen. Dabei </a:t>
-            </a:r>
-          </a:p>
-          <a:p>
-            <a:r>
-              <a:rPr lang="de-DE" dirty="0"/>
-              <a:t>stehen dem Spieler </a:t>
-            </a:r>
-          </a:p>
-          <a:p>
-            <a:r>
-              <a:rPr lang="de-DE" dirty="0"/>
-              <a:t>Hindernisse im Weg.</a:t>
-            </a:r>
-          </a:p>
-          <a:p>
-            <a:endParaRPr lang="de-DE" dirty="0"/>
-          </a:p>
-          <a:p>
-            <a:r>
-              <a:rPr lang="de-DE" dirty="0"/>
-              <a:t>Der Spieler kann Musik sowie</a:t>
-            </a:r>
-          </a:p>
-          <a:p>
-            <a:r>
-              <a:rPr lang="de-DE" dirty="0"/>
-              <a:t>Sounds einstellen, unterschiedliche</a:t>
-            </a:r>
-          </a:p>
-          <a:p>
-            <a:r>
-              <a:rPr lang="de-DE" dirty="0"/>
-              <a:t>Schwierigkeiten wählen und sich auf die</a:t>
-            </a:r>
-          </a:p>
-          <a:p>
-            <a:r>
-              <a:rPr lang="de-DE" dirty="0"/>
-              <a:t>Spitze der </a:t>
-            </a:r>
-            <a:r>
-              <a:rPr lang="de-DE" dirty="0" err="1"/>
-              <a:t>Highscoreliste</a:t>
-            </a:r>
-            <a:r>
-              <a:rPr lang="de-DE" dirty="0"/>
-              <a:t> setzen.</a:t>
-            </a:r>
-          </a:p>
-          <a:p>
-            <a:endParaRPr lang="de-DE" dirty="0"/>
-          </a:p>
-          <a:p>
-            <a:endParaRPr lang="de-DE" dirty="0"/>
+              <a:t>Unterstützung moderner Browser</a:t>
+            </a:r>
           </a:p>
         </p:txBody>
       </p:sp>
       <p:sp>
         <p:nvSpPr>
-          <p:cNvPr id="39" name="Rectangle 15">
+          <p:cNvPr id="20" name="Textfeld 19">
             <a:extLst>
               <a:ext uri="{FF2B5EF4-FFF2-40B4-BE49-F238E27FC236}">
-                <a16:creationId xmlns:a16="http://schemas.microsoft.com/office/drawing/2014/main" id="{2DA86474-7BF2-4B43-B900-D435081DE2C6}"/>
+                <a16:creationId xmlns:a16="http://schemas.microsoft.com/office/drawing/2014/main" id="{22F2F4DB-E62A-48BB-B92B-625974B56468}"/>
+              </a:ext>
+            </a:extLst>
+          </p:cNvPr>
+          <p:cNvSpPr txBox="1"/>
+          <p:nvPr/>
+        </p:nvSpPr>
+        <p:spPr>
+          <a:xfrm>
+            <a:off x="340403" y="6093401"/>
+            <a:ext cx="3339760" cy="369332"/>
+          </a:xfrm>
+          <a:prstGeom prst="rect">
+            <a:avLst/>
+          </a:prstGeom>
+          <a:noFill/>
+        </p:spPr>
+        <p:txBody>
+          <a:bodyPr wrap="none" rtlCol="0">
+            <a:spAutoFit/>
+          </a:bodyPr>
+          <a:lstStyle/>
+          <a:p>
+            <a:r>
+              <a:rPr lang="de-DE" dirty="0"/>
+              <a:t>Plain </a:t>
+            </a:r>
+            <a:r>
+              <a:rPr lang="de-DE" dirty="0" err="1"/>
+              <a:t>Vanilla</a:t>
+            </a:r>
+            <a:r>
+              <a:rPr lang="de-DE" dirty="0"/>
+              <a:t> HTML/CSS/</a:t>
+            </a:r>
+            <a:r>
+              <a:rPr lang="de-DE" dirty="0" err="1"/>
+              <a:t>Javascript</a:t>
+            </a:r>
+            <a:endParaRPr lang="de-DE" dirty="0"/>
+          </a:p>
+        </p:txBody>
+      </p:sp>
+      <p:sp>
+        <p:nvSpPr>
+          <p:cNvPr id="22" name="Textfeld 21">
+            <a:extLst>
+              <a:ext uri="{FF2B5EF4-FFF2-40B4-BE49-F238E27FC236}">
+                <a16:creationId xmlns:a16="http://schemas.microsoft.com/office/drawing/2014/main" id="{8211BDB7-16FC-455A-9302-F367E91C2DE4}"/>
+              </a:ext>
+            </a:extLst>
+          </p:cNvPr>
+          <p:cNvSpPr txBox="1"/>
+          <p:nvPr/>
+        </p:nvSpPr>
+        <p:spPr>
+          <a:xfrm>
+            <a:off x="41007" y="2610215"/>
+            <a:ext cx="4041299" cy="2585323"/>
+          </a:xfrm>
+          <a:prstGeom prst="rect">
+            <a:avLst/>
+          </a:prstGeom>
+          <a:noFill/>
+        </p:spPr>
+        <p:txBody>
+          <a:bodyPr wrap="none" rtlCol="0">
+            <a:spAutoFit/>
+          </a:bodyPr>
+          <a:lstStyle/>
+          <a:p>
+            <a:pPr marL="285750" indent="-285750">
+              <a:buFont typeface="Arial" panose="020B0604020202020204" pitchFamily="34" charset="0"/>
+              <a:buChar char="•"/>
+            </a:pPr>
+            <a:r>
+              <a:rPr lang="de-DE" dirty="0"/>
+              <a:t>Highscores auf deiner Maschine</a:t>
+            </a:r>
+          </a:p>
+          <a:p>
+            <a:pPr marL="285750" indent="-285750">
+              <a:buFont typeface="Arial" panose="020B0604020202020204" pitchFamily="34" charset="0"/>
+              <a:buChar char="•"/>
+            </a:pPr>
+            <a:endParaRPr lang="de-DE" dirty="0"/>
+          </a:p>
+          <a:p>
+            <a:pPr marL="285750" indent="-285750">
+              <a:buFont typeface="Arial" panose="020B0604020202020204" pitchFamily="34" charset="0"/>
+              <a:buChar char="•"/>
+            </a:pPr>
+            <a:r>
+              <a:rPr lang="de-DE" dirty="0"/>
+              <a:t>Echtes Retro Feeling!</a:t>
+            </a:r>
+          </a:p>
+          <a:p>
+            <a:pPr marL="285750" indent="-285750">
+              <a:buFont typeface="Arial" panose="020B0604020202020204" pitchFamily="34" charset="0"/>
+              <a:buChar char="•"/>
+            </a:pPr>
+            <a:endParaRPr lang="de-DE" dirty="0"/>
+          </a:p>
+          <a:p>
+            <a:pPr marL="285750" indent="-285750">
+              <a:buFont typeface="Arial" panose="020B0604020202020204" pitchFamily="34" charset="0"/>
+              <a:buChar char="•"/>
+            </a:pPr>
+            <a:r>
+              <a:rPr lang="de-DE" dirty="0"/>
+              <a:t>Sterne auf dem Weg</a:t>
+            </a:r>
+          </a:p>
+          <a:p>
+            <a:pPr marL="285750" indent="-285750">
+              <a:buFont typeface="Arial" panose="020B0604020202020204" pitchFamily="34" charset="0"/>
+              <a:buChar char="•"/>
+            </a:pPr>
+            <a:endParaRPr lang="de-DE" dirty="0"/>
+          </a:p>
+          <a:p>
+            <a:pPr marL="285750" indent="-285750">
+              <a:buFont typeface="Arial" panose="020B0604020202020204" pitchFamily="34" charset="0"/>
+              <a:buChar char="•"/>
+            </a:pPr>
+            <a:r>
+              <a:rPr lang="de-DE" dirty="0"/>
+              <a:t>Retro Sound und Musik</a:t>
+            </a:r>
+          </a:p>
+          <a:p>
+            <a:endParaRPr lang="de-DE" dirty="0"/>
+          </a:p>
+          <a:p>
+            <a:pPr marL="285750" indent="-285750">
+              <a:buFont typeface="Arial" panose="020B0604020202020204" pitchFamily="34" charset="0"/>
+              <a:buChar char="•"/>
+            </a:pPr>
+            <a:r>
+              <a:rPr lang="de-DE" dirty="0"/>
+              <a:t>Herausfordernde Schwierigkeitsstufen</a:t>
+            </a:r>
+          </a:p>
+        </p:txBody>
+      </p:sp>
+      <p:cxnSp>
+        <p:nvCxnSpPr>
+          <p:cNvPr id="5" name="Gerader Verbinder 4">
+            <a:extLst>
+              <a:ext uri="{FF2B5EF4-FFF2-40B4-BE49-F238E27FC236}">
+                <a16:creationId xmlns:a16="http://schemas.microsoft.com/office/drawing/2014/main" id="{9B33B043-28F3-44E6-933F-F936EA808870}"/>
+              </a:ext>
+            </a:extLst>
+          </p:cNvPr>
+          <p:cNvCxnSpPr>
+            <a:cxnSpLocks/>
+          </p:cNvCxnSpPr>
+          <p:nvPr/>
+        </p:nvCxnSpPr>
+        <p:spPr>
+          <a:xfrm flipH="1">
+            <a:off x="4369594" y="2761673"/>
+            <a:ext cx="710406" cy="639309"/>
+          </a:xfrm>
+          <a:prstGeom prst="line">
+            <a:avLst/>
+          </a:prstGeom>
+          <a:ln w="15875">
+            <a:solidFill>
+              <a:schemeClr val="accent6"/>
+            </a:solidFill>
+          </a:ln>
+        </p:spPr>
+        <p:style>
+          <a:lnRef idx="1">
+            <a:schemeClr val="accent1"/>
+          </a:lnRef>
+          <a:fillRef idx="0">
+            <a:schemeClr val="accent1"/>
+          </a:fillRef>
+          <a:effectRef idx="0">
+            <a:schemeClr val="accent1"/>
+          </a:effectRef>
+          <a:fontRef idx="minor">
+            <a:schemeClr val="tx1"/>
+          </a:fontRef>
+        </p:style>
+      </p:cxnSp>
+      <p:cxnSp>
+        <p:nvCxnSpPr>
+          <p:cNvPr id="26" name="Gerader Verbinder 25">
+            <a:extLst>
+              <a:ext uri="{FF2B5EF4-FFF2-40B4-BE49-F238E27FC236}">
+                <a16:creationId xmlns:a16="http://schemas.microsoft.com/office/drawing/2014/main" id="{F520184D-D523-4847-AB15-AB20390E6BDA}"/>
+              </a:ext>
+            </a:extLst>
+          </p:cNvPr>
+          <p:cNvCxnSpPr>
+            <a:cxnSpLocks/>
+          </p:cNvCxnSpPr>
+          <p:nvPr/>
+        </p:nvCxnSpPr>
+        <p:spPr>
+          <a:xfrm flipH="1">
+            <a:off x="4593431" y="3960341"/>
+            <a:ext cx="781511" cy="0"/>
+          </a:xfrm>
+          <a:prstGeom prst="line">
+            <a:avLst/>
+          </a:prstGeom>
+          <a:ln w="15875">
+            <a:solidFill>
+              <a:schemeClr val="accent6"/>
+            </a:solidFill>
+          </a:ln>
+        </p:spPr>
+        <p:style>
+          <a:lnRef idx="1">
+            <a:schemeClr val="accent1"/>
+          </a:lnRef>
+          <a:fillRef idx="0">
+            <a:schemeClr val="accent1"/>
+          </a:fillRef>
+          <a:effectRef idx="0">
+            <a:schemeClr val="accent1"/>
+          </a:effectRef>
+          <a:fontRef idx="minor">
+            <a:schemeClr val="tx1"/>
+          </a:fontRef>
+        </p:style>
+      </p:cxnSp>
+      <p:cxnSp>
+        <p:nvCxnSpPr>
+          <p:cNvPr id="29" name="Gerader Verbinder 28">
+            <a:extLst>
+              <a:ext uri="{FF2B5EF4-FFF2-40B4-BE49-F238E27FC236}">
+                <a16:creationId xmlns:a16="http://schemas.microsoft.com/office/drawing/2014/main" id="{FA5A7649-7594-4A8A-B054-9631BAC30F30}"/>
+              </a:ext>
+            </a:extLst>
+          </p:cNvPr>
+          <p:cNvCxnSpPr>
+            <a:cxnSpLocks/>
+          </p:cNvCxnSpPr>
+          <p:nvPr/>
+        </p:nvCxnSpPr>
+        <p:spPr>
+          <a:xfrm flipH="1" flipV="1">
+            <a:off x="4369594" y="4519613"/>
+            <a:ext cx="710406" cy="643514"/>
+          </a:xfrm>
+          <a:prstGeom prst="line">
+            <a:avLst/>
+          </a:prstGeom>
+          <a:ln w="15875">
+            <a:solidFill>
+              <a:schemeClr val="accent6"/>
+            </a:solidFill>
+          </a:ln>
+        </p:spPr>
+        <p:style>
+          <a:lnRef idx="1">
+            <a:schemeClr val="accent1"/>
+          </a:lnRef>
+          <a:fillRef idx="0">
+            <a:schemeClr val="accent1"/>
+          </a:fillRef>
+          <a:effectRef idx="0">
+            <a:schemeClr val="accent1"/>
+          </a:effectRef>
+          <a:fontRef idx="minor">
+            <a:schemeClr val="tx1"/>
+          </a:fontRef>
+        </p:style>
+      </p:cxnSp>
+    </p:spTree>
+    <p:extLst>
+      <p:ext uri="{BB962C8B-B14F-4D97-AF65-F5344CB8AC3E}">
+        <p14:creationId xmlns:p14="http://schemas.microsoft.com/office/powerpoint/2010/main" val="1608631717"/>
+      </p:ext>
+    </p:extLst>
+  </p:cSld>
+  <p:clrMapOvr>
+    <a:masterClrMapping/>
+  </p:clrMapOvr>
+</p:sld>
+</file>
+
+<file path=ppt/slides/slide2.xml><?xml version="1.0" encoding="utf-8"?>
+<p:sld xmlns:a="http://schemas.openxmlformats.org/drawingml/2006/main" xmlns:r="http://schemas.openxmlformats.org/officeDocument/2006/relationships" xmlns:p="http://schemas.openxmlformats.org/presentationml/2006/main">
+  <p:cSld>
+    <p:spTree>
+      <p:nvGrpSpPr>
+        <p:cNvPr id="1" name=""/>
+        <p:cNvGrpSpPr/>
+        <p:nvPr/>
+      </p:nvGrpSpPr>
+      <p:grpSpPr>
+        <a:xfrm>
+          <a:off x="0" y="0"/>
+          <a:ext cx="0" cy="0"/>
+          <a:chOff x="0" y="0"/>
+          <a:chExt cx="0" cy="0"/>
+        </a:xfrm>
+      </p:grpSpPr>
+      <p:sp>
+        <p:nvSpPr>
+          <p:cNvPr id="2" name="Titel 1">
+            <a:extLst>
+              <a:ext uri="{FF2B5EF4-FFF2-40B4-BE49-F238E27FC236}">
+                <a16:creationId xmlns:a16="http://schemas.microsoft.com/office/drawing/2014/main" id="{616F9903-9522-4863-8E83-56824E44501F}"/>
+              </a:ext>
+            </a:extLst>
+          </p:cNvPr>
+          <p:cNvSpPr>
+            <a:spLocks noGrp="1"/>
+          </p:cNvSpPr>
+          <p:nvPr>
+            <p:ph type="title"/>
+          </p:nvPr>
+        </p:nvSpPr>
+        <p:spPr>
+          <a:xfrm>
+            <a:off x="616258" y="187572"/>
+            <a:ext cx="10515600" cy="1325563"/>
+          </a:xfrm>
+        </p:spPr>
+        <p:txBody>
+          <a:bodyPr/>
+          <a:lstStyle/>
+          <a:p>
+            <a:r>
+              <a:rPr lang="de-DE" dirty="0"/>
+              <a:t>Quellen</a:t>
+            </a:r>
+          </a:p>
+        </p:txBody>
+      </p:sp>
+      <p:sp>
+        <p:nvSpPr>
+          <p:cNvPr id="3" name="Inhaltsplatzhalter 2">
+            <a:extLst>
+              <a:ext uri="{FF2B5EF4-FFF2-40B4-BE49-F238E27FC236}">
+                <a16:creationId xmlns:a16="http://schemas.microsoft.com/office/drawing/2014/main" id="{DB4DFFA1-B5CC-4B0E-9B98-7B8EF55D78D0}"/>
+              </a:ext>
+            </a:extLst>
+          </p:cNvPr>
+          <p:cNvSpPr>
+            <a:spLocks noGrp="1"/>
+          </p:cNvSpPr>
+          <p:nvPr>
+            <p:ph idx="1"/>
+          </p:nvPr>
+        </p:nvSpPr>
+        <p:spPr>
+          <a:xfrm>
+            <a:off x="838200" y="1585928"/>
+            <a:ext cx="10515600" cy="4351338"/>
+          </a:xfrm>
+        </p:spPr>
+        <p:txBody>
+          <a:bodyPr>
+            <a:normAutofit fontScale="92500" lnSpcReduction="20000"/>
+          </a:bodyPr>
+          <a:lstStyle/>
+          <a:p>
+            <a:r>
+              <a:rPr lang="de-DE" sz="1200" dirty="0"/>
+              <a:t>Firefox Bild</a:t>
+            </a:r>
+          </a:p>
+          <a:p>
+            <a:r>
+              <a:rPr lang="de-DE" sz="1200" dirty="0">
+                <a:hlinkClick r:id="rId2"/>
+              </a:rPr>
+              <a:t>https://</a:t>
+            </a:r>
+            <a:r>
+              <a:rPr lang="de-DE" sz="1200" dirty="0" err="1">
+                <a:hlinkClick r:id="rId2"/>
+              </a:rPr>
+              <a:t>www.kisspng.com</a:t>
+            </a:r>
+            <a:r>
+              <a:rPr lang="de-DE" sz="1200" dirty="0">
+                <a:hlinkClick r:id="rId2"/>
+              </a:rPr>
+              <a:t>/</a:t>
+            </a:r>
+            <a:r>
+              <a:rPr lang="de-DE" sz="1200" dirty="0" err="1">
+                <a:hlinkClick r:id="rId2"/>
+              </a:rPr>
+              <a:t>png</a:t>
+            </a:r>
+            <a:r>
+              <a:rPr lang="de-DE" sz="1200" dirty="0">
+                <a:hlinkClick r:id="rId2"/>
+              </a:rPr>
+              <a:t>-</a:t>
+            </a:r>
+            <a:r>
+              <a:rPr lang="de-DE" sz="1200" dirty="0" err="1">
+                <a:hlinkClick r:id="rId2"/>
+              </a:rPr>
+              <a:t>firefox</a:t>
+            </a:r>
+            <a:r>
+              <a:rPr lang="de-DE" sz="1200" dirty="0">
+                <a:hlinkClick r:id="rId2"/>
+              </a:rPr>
+              <a:t>-</a:t>
+            </a:r>
+            <a:r>
+              <a:rPr lang="de-DE" sz="1200" dirty="0" err="1">
+                <a:hlinkClick r:id="rId2"/>
+              </a:rPr>
+              <a:t>png</a:t>
+            </a:r>
+            <a:r>
+              <a:rPr lang="de-DE" sz="1200" dirty="0">
+                <a:hlinkClick r:id="rId2"/>
+              </a:rPr>
+              <a:t>-logo-62767/download-</a:t>
+            </a:r>
+            <a:r>
+              <a:rPr lang="de-DE" sz="1200" dirty="0" err="1">
+                <a:hlinkClick r:id="rId2"/>
+              </a:rPr>
+              <a:t>png.html</a:t>
+            </a:r>
+            <a:endParaRPr lang="de-DE" sz="1200" dirty="0"/>
+          </a:p>
+          <a:p>
+            <a:endParaRPr lang="de-DE" sz="1200" dirty="0"/>
+          </a:p>
+          <a:p>
+            <a:r>
+              <a:rPr lang="de-DE" sz="1200" dirty="0"/>
+              <a:t>Chrome Bild:</a:t>
+            </a:r>
+          </a:p>
+          <a:p>
+            <a:r>
+              <a:rPr lang="de-DE" sz="1200" dirty="0">
+                <a:hlinkClick r:id="rId3"/>
+              </a:rPr>
+              <a:t>https://</a:t>
+            </a:r>
+            <a:r>
+              <a:rPr lang="de-DE" sz="1200" dirty="0" err="1">
+                <a:hlinkClick r:id="rId3"/>
+              </a:rPr>
+              <a:t>www.iconfinder.com</a:t>
+            </a:r>
+            <a:r>
+              <a:rPr lang="de-DE" sz="1200" dirty="0">
+                <a:hlinkClick r:id="rId3"/>
+              </a:rPr>
+              <a:t>/</a:t>
+            </a:r>
+            <a:r>
+              <a:rPr lang="de-DE" sz="1200" dirty="0" err="1">
+                <a:hlinkClick r:id="rId3"/>
+              </a:rPr>
+              <a:t>icons</a:t>
+            </a:r>
+            <a:r>
+              <a:rPr lang="de-DE" sz="1200" dirty="0">
+                <a:hlinkClick r:id="rId3"/>
+              </a:rPr>
+              <a:t>/85098/</a:t>
+            </a:r>
+            <a:r>
+              <a:rPr lang="de-DE" sz="1200" dirty="0" err="1">
+                <a:hlinkClick r:id="rId3"/>
+              </a:rPr>
+              <a:t>browser_chrome_google_icon</a:t>
+            </a:r>
+            <a:endParaRPr lang="de-DE" sz="1200" dirty="0"/>
+          </a:p>
+          <a:p>
+            <a:pPr marL="0" indent="0">
+              <a:buNone/>
+            </a:pPr>
+            <a:endParaRPr lang="de-DE" sz="1200" dirty="0"/>
+          </a:p>
+          <a:p>
+            <a:r>
+              <a:rPr lang="de-DE" sz="1200" dirty="0" err="1"/>
+              <a:t>OperaBild</a:t>
+            </a:r>
+            <a:r>
+              <a:rPr lang="de-DE" sz="1200" dirty="0"/>
+              <a:t>:</a:t>
+            </a:r>
+          </a:p>
+          <a:p>
+            <a:r>
+              <a:rPr lang="de-DE" sz="1200" dirty="0">
+                <a:hlinkClick r:id="rId4"/>
+              </a:rPr>
+              <a:t>https://</a:t>
+            </a:r>
+            <a:r>
+              <a:rPr lang="de-DE" sz="1200" dirty="0" err="1">
+                <a:hlinkClick r:id="rId4"/>
+              </a:rPr>
+              <a:t>de.wikipedia.org</a:t>
+            </a:r>
+            <a:r>
+              <a:rPr lang="de-DE" sz="1200" dirty="0">
+                <a:hlinkClick r:id="rId4"/>
+              </a:rPr>
+              <a:t>/</a:t>
+            </a:r>
+            <a:r>
+              <a:rPr lang="de-DE" sz="1200" dirty="0" err="1">
+                <a:hlinkClick r:id="rId4"/>
+              </a:rPr>
+              <a:t>wiki</a:t>
+            </a:r>
+            <a:r>
+              <a:rPr lang="de-DE" sz="1200" dirty="0">
+                <a:hlinkClick r:id="rId4"/>
+              </a:rPr>
+              <a:t>/</a:t>
+            </a:r>
+            <a:r>
+              <a:rPr lang="de-DE" sz="1200" dirty="0" err="1">
+                <a:hlinkClick r:id="rId4"/>
+              </a:rPr>
+              <a:t>Datei:Opera_2015_icon.svg</a:t>
+            </a:r>
+            <a:endParaRPr lang="de-DE" sz="1200" dirty="0"/>
+          </a:p>
+          <a:p>
+            <a:endParaRPr lang="de-DE" sz="1200" dirty="0"/>
+          </a:p>
+          <a:p>
+            <a:r>
+              <a:rPr lang="de-DE" sz="1200" dirty="0"/>
+              <a:t>HTML Bild</a:t>
+            </a:r>
+          </a:p>
+          <a:p>
+            <a:r>
+              <a:rPr lang="de-DE" sz="1200" dirty="0"/>
+              <a:t>https://</a:t>
+            </a:r>
+            <a:r>
+              <a:rPr lang="de-DE" sz="1200" dirty="0" err="1"/>
+              <a:t>www.iconfinder.com</a:t>
+            </a:r>
+            <a:r>
+              <a:rPr lang="de-DE" sz="1200" dirty="0"/>
+              <a:t>/</a:t>
+            </a:r>
+            <a:r>
+              <a:rPr lang="de-DE" sz="1200" dirty="0" err="1"/>
+              <a:t>icons</a:t>
+            </a:r>
+            <a:r>
+              <a:rPr lang="de-DE" sz="1200" dirty="0"/>
+              <a:t>/65687/5_five_html_html5_logo_</a:t>
+            </a:r>
+            <a:r>
+              <a:rPr lang="de-DE" sz="1200" dirty="0" err="1"/>
+              <a:t>piää</a:t>
+            </a:r>
+            <a:r>
+              <a:rPr lang="de-DE" sz="1200" dirty="0"/>
+              <a:t>_</a:t>
+            </a:r>
+            <a:r>
+              <a:rPr lang="de-DE" sz="1200" dirty="0" err="1"/>
+              <a:t>icon</a:t>
+            </a:r>
+            <a:endParaRPr lang="de-DE" sz="1200" dirty="0"/>
+          </a:p>
+          <a:p>
+            <a:endParaRPr lang="de-DE" sz="1200" dirty="0"/>
+          </a:p>
+          <a:p>
+            <a:r>
+              <a:rPr lang="de-DE" sz="1200" dirty="0" err="1"/>
+              <a:t>Css</a:t>
+            </a:r>
+            <a:r>
+              <a:rPr lang="de-DE" sz="1200" dirty="0"/>
+              <a:t> Bild</a:t>
+            </a:r>
+          </a:p>
+          <a:p>
+            <a:r>
+              <a:rPr lang="de-DE" sz="1200" dirty="0">
+                <a:hlinkClick r:id="rId5"/>
+              </a:rPr>
+              <a:t>http://</a:t>
+            </a:r>
+            <a:r>
+              <a:rPr lang="de-DE" sz="1200" dirty="0" err="1">
+                <a:hlinkClick r:id="rId5"/>
+              </a:rPr>
+              <a:t>www.olivergast.de</a:t>
+            </a:r>
+            <a:r>
+              <a:rPr lang="de-DE" sz="1200" dirty="0">
+                <a:hlinkClick r:id="rId5"/>
+              </a:rPr>
+              <a:t>/</a:t>
+            </a:r>
+            <a:r>
+              <a:rPr lang="de-DE" sz="1200" dirty="0" err="1">
+                <a:hlinkClick r:id="rId5"/>
+              </a:rPr>
+              <a:t>blog</a:t>
+            </a:r>
+            <a:r>
+              <a:rPr lang="de-DE" sz="1200" dirty="0">
+                <a:hlinkClick r:id="rId5"/>
+              </a:rPr>
+              <a:t>/2012/05/31/</a:t>
+            </a:r>
+            <a:r>
+              <a:rPr lang="de-DE" sz="1200" dirty="0" err="1">
+                <a:hlinkClick r:id="rId5"/>
+              </a:rPr>
+              <a:t>css3</a:t>
+            </a:r>
+            <a:r>
+              <a:rPr lang="de-DE" sz="1200" dirty="0">
+                <a:hlinkClick r:id="rId5"/>
+              </a:rPr>
+              <a:t>-</a:t>
+            </a:r>
+            <a:r>
+              <a:rPr lang="de-DE" sz="1200" dirty="0" err="1">
+                <a:hlinkClick r:id="rId5"/>
+              </a:rPr>
+              <a:t>ubersicht</a:t>
+            </a:r>
+            <a:r>
+              <a:rPr lang="de-DE" sz="1200" dirty="0">
+                <a:hlinkClick r:id="rId5"/>
+              </a:rPr>
+              <a:t>-der-artikel-und-demos/</a:t>
+            </a:r>
+            <a:endParaRPr lang="de-DE" sz="1200" dirty="0"/>
+          </a:p>
+          <a:p>
+            <a:endParaRPr lang="de-DE" sz="1200" dirty="0"/>
+          </a:p>
+          <a:p>
+            <a:r>
+              <a:rPr lang="de-DE" sz="1200" dirty="0" err="1"/>
+              <a:t>Js</a:t>
+            </a:r>
+            <a:r>
+              <a:rPr lang="de-DE" sz="1200" dirty="0"/>
+              <a:t> Bild:</a:t>
+            </a:r>
+          </a:p>
+          <a:p>
+            <a:r>
+              <a:rPr lang="de-DE" sz="1200" dirty="0">
+                <a:hlinkClick r:id="rId6"/>
+              </a:rPr>
+              <a:t>https://</a:t>
+            </a:r>
+            <a:r>
+              <a:rPr lang="de-DE" sz="1200" dirty="0" err="1">
+                <a:hlinkClick r:id="rId6"/>
+              </a:rPr>
+              <a:t>krakensystems.co</a:t>
+            </a:r>
+            <a:r>
+              <a:rPr lang="de-DE" sz="1200" dirty="0">
+                <a:hlinkClick r:id="rId6"/>
+              </a:rPr>
+              <a:t>/</a:t>
+            </a:r>
+            <a:r>
+              <a:rPr lang="de-DE" sz="1200" dirty="0" err="1">
+                <a:hlinkClick r:id="rId6"/>
+              </a:rPr>
+              <a:t>careers</a:t>
+            </a:r>
+            <a:r>
+              <a:rPr lang="de-DE" sz="1200" dirty="0">
+                <a:hlinkClick r:id="rId6"/>
+              </a:rPr>
+              <a:t>/junior-</a:t>
+            </a:r>
+            <a:r>
+              <a:rPr lang="de-DE" sz="1200" dirty="0" err="1">
+                <a:hlinkClick r:id="rId6"/>
+              </a:rPr>
+              <a:t>javascript</a:t>
+            </a:r>
+            <a:r>
+              <a:rPr lang="de-DE" sz="1200" dirty="0">
+                <a:hlinkClick r:id="rId6"/>
+              </a:rPr>
+              <a:t>-</a:t>
+            </a:r>
+            <a:r>
+              <a:rPr lang="de-DE" sz="1200" dirty="0" err="1">
+                <a:hlinkClick r:id="rId6"/>
+              </a:rPr>
+              <a:t>developer</a:t>
+            </a:r>
+            <a:r>
+              <a:rPr lang="de-DE" sz="1200" dirty="0">
+                <a:hlinkClick r:id="rId6"/>
+              </a:rPr>
+              <a:t>/</a:t>
+            </a:r>
+            <a:endParaRPr lang="de-DE" sz="1200" dirty="0"/>
+          </a:p>
+        </p:txBody>
+      </p:sp>
+      <p:sp>
+        <p:nvSpPr>
+          <p:cNvPr id="6" name="Rectangle 15">
+            <a:extLst>
+              <a:ext uri="{FF2B5EF4-FFF2-40B4-BE49-F238E27FC236}">
+                <a16:creationId xmlns:a16="http://schemas.microsoft.com/office/drawing/2014/main" id="{700C542B-9E43-4C94-B0BC-243EAAF2467C}"/>
               </a:ext>
             </a:extLst>
           </p:cNvPr>
@@ -7466,107 +8557,100 @@
           <a:lstStyle/>
           <a:p>
             <a:r>
-              <a:rPr lang="de-DE" sz="1050">
+              <a:rPr lang="de-DE" sz="1050" dirty="0">
                 <a:solidFill>
                   <a:schemeClr val="tx1"/>
                 </a:solidFill>
               </a:rPr>
-              <a:t>15.08.2018			Dirk Soltenborn, Georg Westbomke, Yannik Kasper</a:t>
-            </a:r>
-            <a:endParaRPr lang="de-DE" sz="1050" dirty="0">
-              <a:solidFill>
-                <a:schemeClr val="tx1"/>
-              </a:solidFill>
-            </a:endParaRPr>
+              <a:t>12.09.2018			 </a:t>
+            </a:r>
+            <a:r>
+              <a:rPr lang="de-DE" sz="1050" dirty="0" err="1">
+                <a:solidFill>
+                  <a:schemeClr val="tx1"/>
+                </a:solidFill>
+              </a:rPr>
+              <a:t>BFWI416a</a:t>
+            </a:r>
+            <a:r>
+              <a:rPr lang="de-DE" sz="1050" dirty="0">
+                <a:solidFill>
+                  <a:schemeClr val="tx1"/>
+                </a:solidFill>
+              </a:rPr>
+              <a:t>/ </a:t>
+            </a:r>
+            <a:r>
+              <a:rPr lang="de-DE" sz="1050" dirty="0" err="1">
+                <a:solidFill>
+                  <a:schemeClr val="tx1"/>
+                </a:solidFill>
+              </a:rPr>
+              <a:t>BFWS416a</a:t>
+            </a:r>
+            <a:r>
+              <a:rPr lang="de-DE" sz="1050" dirty="0">
+                <a:solidFill>
+                  <a:schemeClr val="tx1"/>
+                </a:solidFill>
+              </a:rPr>
+              <a:t> 	</a:t>
+            </a:r>
+            <a:r>
+              <a:rPr lang="de-DE" sz="1050" dirty="0" err="1">
+                <a:solidFill>
+                  <a:schemeClr val="tx1"/>
+                </a:solidFill>
+              </a:rPr>
+              <a:t>WIP</a:t>
+            </a:r>
+            <a:r>
+              <a:rPr lang="de-DE" sz="1050" dirty="0">
+                <a:solidFill>
+                  <a:schemeClr val="tx1"/>
+                </a:solidFill>
+              </a:rPr>
+              <a:t>: Herr Brändle        Dirk </a:t>
+            </a:r>
+            <a:r>
+              <a:rPr lang="de-DE" sz="1050" dirty="0" err="1">
+                <a:solidFill>
+                  <a:schemeClr val="tx1"/>
+                </a:solidFill>
+              </a:rPr>
+              <a:t>Soltenborn</a:t>
+            </a:r>
+            <a:r>
+              <a:rPr lang="de-DE" sz="1050" dirty="0">
+                <a:solidFill>
+                  <a:schemeClr val="tx1"/>
+                </a:solidFill>
+              </a:rPr>
+              <a:t>, Georg </a:t>
+            </a:r>
+            <a:r>
+              <a:rPr lang="de-DE" sz="1050" dirty="0" err="1">
+                <a:solidFill>
+                  <a:schemeClr val="tx1"/>
+                </a:solidFill>
+              </a:rPr>
+              <a:t>Westbomke</a:t>
+            </a:r>
+            <a:r>
+              <a:rPr lang="de-DE" sz="1050" dirty="0">
+                <a:solidFill>
+                  <a:schemeClr val="tx1"/>
+                </a:solidFill>
+              </a:rPr>
+              <a:t>, Yannik Kasper</a:t>
+            </a:r>
           </a:p>
         </p:txBody>
       </p:sp>
-      <p:sp>
-        <p:nvSpPr>
-          <p:cNvPr id="41" name="Textfeld 40">
-            <a:extLst>
-              <a:ext uri="{FF2B5EF4-FFF2-40B4-BE49-F238E27FC236}">
-                <a16:creationId xmlns:a16="http://schemas.microsoft.com/office/drawing/2014/main" id="{3D2CA1F8-074A-42D3-9733-32E4719463B4}"/>
-              </a:ext>
-            </a:extLst>
-          </p:cNvPr>
-          <p:cNvSpPr txBox="1"/>
-          <p:nvPr/>
-        </p:nvSpPr>
-        <p:spPr>
-          <a:xfrm>
-            <a:off x="3039234" y="3667625"/>
-            <a:ext cx="1489510" cy="584775"/>
-          </a:xfrm>
-          <a:prstGeom prst="rect">
-            <a:avLst/>
-          </a:prstGeom>
-          <a:noFill/>
-        </p:spPr>
-        <p:txBody>
-          <a:bodyPr wrap="none" rtlCol="0">
-            <a:spAutoFit/>
-          </a:bodyPr>
-          <a:lstStyle/>
-          <a:p>
-            <a:r>
-              <a:rPr lang="de-DE" sz="3200" dirty="0" err="1">
-                <a:solidFill>
-                  <a:schemeClr val="bg1"/>
-                </a:solidFill>
-                <a:latin typeface="Impact" panose="020B0806030902050204" pitchFamily="34" charset="0"/>
-              </a:rPr>
-              <a:t>Frogger</a:t>
-            </a:r>
-            <a:endParaRPr lang="de-DE" sz="2400" dirty="0">
-              <a:solidFill>
-                <a:schemeClr val="bg1"/>
-              </a:solidFill>
-              <a:latin typeface="Impact" panose="020B0806030902050204" pitchFamily="34" charset="0"/>
-            </a:endParaRPr>
-          </a:p>
-        </p:txBody>
-      </p:sp>
-      <p:pic>
-        <p:nvPicPr>
-          <p:cNvPr id="3" name="Grafik 2" descr="Ein Bild, das Monitor, Wand enthält.&#10;&#10;Mit sehr hoher Zuverlässigkeit generierte Beschreibung">
-            <a:extLst>
-              <a:ext uri="{FF2B5EF4-FFF2-40B4-BE49-F238E27FC236}">
-                <a16:creationId xmlns:a16="http://schemas.microsoft.com/office/drawing/2014/main" id="{8314BCC7-6CAC-479D-AB3F-A91813CD5ED4}"/>
-              </a:ext>
-            </a:extLst>
-          </p:cNvPr>
-          <p:cNvPicPr>
-            <a:picLocks noChangeAspect="1"/>
-          </p:cNvPicPr>
-          <p:nvPr/>
-        </p:nvPicPr>
-        <p:blipFill>
-          <a:blip r:embed="rId9">
-            <a:extLst>
-              <a:ext uri="{28A0092B-C50C-407E-A947-70E740481C1C}">
-                <a14:useLocalDpi xmlns:a14="http://schemas.microsoft.com/office/drawing/2010/main" val="0"/>
-              </a:ext>
-            </a:extLst>
-          </a:blip>
-          <a:stretch>
-            <a:fillRect/>
-          </a:stretch>
-        </p:blipFill>
-        <p:spPr>
-          <a:xfrm>
-            <a:off x="8368208" y="711609"/>
-            <a:ext cx="1760794" cy="2323742"/>
-          </a:xfrm>
-          <a:prstGeom prst="rect">
-            <a:avLst/>
-          </a:prstGeom>
-        </p:spPr>
-      </p:pic>
     </p:spTree>
     <p:extLst>
       <p:ext uri="{BB962C8B-B14F-4D97-AF65-F5344CB8AC3E}">
-        <p14:creationId xmlns:p14="http://schemas.microsoft.com/office/powerpoint/2010/main" val="1608631717"/>
+        <p14:creationId xmlns:p14="http://schemas.microsoft.com/office/powerpoint/2010/main" val="4229656249"/>
       </p:ext>
     </p:extLst>
   </p:cSld>
